--- a/report/web进程链.pptx
+++ b/report/web进程链.pptx
@@ -5,7 +5,7 @@
     <p:sldMasterId id="2147483648" r:id="rId1"/>
   </p:sldMasterIdLst>
   <p:notesMasterIdLst>
-    <p:notesMasterId r:id="rId15"/>
+    <p:notesMasterId r:id="rId16"/>
   </p:notesMasterIdLst>
   <p:sldIdLst>
     <p:sldId id="256" r:id="rId2"/>
@@ -20,7 +20,8 @@
     <p:sldId id="265" r:id="rId11"/>
     <p:sldId id="266" r:id="rId12"/>
     <p:sldId id="267" r:id="rId13"/>
-    <p:sldId id="268" r:id="rId14"/>
+    <p:sldId id="269" r:id="rId14"/>
+    <p:sldId id="268" r:id="rId15"/>
   </p:sldIdLst>
   <p:sldSz cx="9144000" cy="6858000" type="screen4x3"/>
   <p:notesSz cx="6858000" cy="9144000"/>
@@ -286,7 +287,7 @@
               <a:pPr>
                 <a:defRPr/>
               </a:pPr>
-              <a:t>2020/9/12</a:t>
+              <a:t>2020/9/20</a:t>
             </a:fld>
             <a:endParaRPr lang="zh-CN" altLang="en-US"/>
           </a:p>
@@ -1377,6 +1378,91 @@
               <a:rPr lang="zh-CN" altLang="en-US" smtClean="0"/>
               <a:pPr/>
               <a:t>13</a:t>
+            </a:fld>
+            <a:endParaRPr lang="zh-CN" altLang="en-US"/>
+          </a:p>
+        </p:txBody>
+      </p:sp>
+    </p:spTree>
+    <p:extLst>
+      <p:ext uri="{BB962C8B-B14F-4D97-AF65-F5344CB8AC3E}">
+        <p14:creationId xmlns:p14="http://schemas.microsoft.com/office/powerpoint/2010/main" val="3989931872"/>
+      </p:ext>
+    </p:extLst>
+  </p:cSld>
+  <p:clrMapOvr>
+    <a:masterClrMapping/>
+  </p:clrMapOvr>
+</p:notes>
+</file>
+
+<file path=ppt/notesSlides/notesSlide8.xml><?xml version="1.0" encoding="utf-8"?>
+<p:notes xmlns:a="http://schemas.openxmlformats.org/drawingml/2006/main" xmlns:r="http://schemas.openxmlformats.org/officeDocument/2006/relationships" xmlns:p="http://schemas.openxmlformats.org/presentationml/2006/main">
+  <p:cSld>
+    <p:spTree>
+      <p:nvGrpSpPr>
+        <p:cNvPr id="1" name=""/>
+        <p:cNvGrpSpPr/>
+        <p:nvPr/>
+      </p:nvGrpSpPr>
+      <p:grpSpPr>
+        <a:xfrm>
+          <a:off x="0" y="0"/>
+          <a:ext cx="0" cy="0"/>
+          <a:chOff x="0" y="0"/>
+          <a:chExt cx="0" cy="0"/>
+        </a:xfrm>
+      </p:grpSpPr>
+      <p:sp>
+        <p:nvSpPr>
+          <p:cNvPr id="2" name="幻灯片图像占位符 1"/>
+          <p:cNvSpPr>
+            <a:spLocks noGrp="1" noRot="1" noChangeAspect="1"/>
+          </p:cNvSpPr>
+          <p:nvPr>
+            <p:ph type="sldImg"/>
+          </p:nvPr>
+        </p:nvSpPr>
+        <p:spPr/>
+      </p:sp>
+      <p:sp>
+        <p:nvSpPr>
+          <p:cNvPr id="3" name="备注占位符 2"/>
+          <p:cNvSpPr>
+            <a:spLocks noGrp="1"/>
+          </p:cNvSpPr>
+          <p:nvPr>
+            <p:ph type="body" idx="1"/>
+          </p:nvPr>
+        </p:nvSpPr>
+        <p:spPr/>
+        <p:txBody>
+          <a:bodyPr/>
+          <a:lstStyle/>
+          <a:p>
+            <a:endParaRPr lang="zh-CN" altLang="en-US" dirty="0"/>
+          </a:p>
+        </p:txBody>
+      </p:sp>
+      <p:sp>
+        <p:nvSpPr>
+          <p:cNvPr id="4" name="灯片编号占位符 3"/>
+          <p:cNvSpPr>
+            <a:spLocks noGrp="1"/>
+          </p:cNvSpPr>
+          <p:nvPr>
+            <p:ph type="sldNum" sz="quarter" idx="5"/>
+          </p:nvPr>
+        </p:nvSpPr>
+        <p:spPr/>
+        <p:txBody>
+          <a:bodyPr/>
+          <a:lstStyle/>
+          <a:p>
+            <a:fld id="{4D5AA86E-CE30-4545-9299-7DF7027F6088}" type="slidenum">
+              <a:rPr lang="zh-CN" altLang="en-US" smtClean="0"/>
+              <a:pPr/>
+              <a:t>14</a:t>
             </a:fld>
             <a:endParaRPr lang="zh-CN" altLang="en-US"/>
           </a:p>
@@ -5781,6 +5867,12 @@
             <a:endParaRPr lang="en-US" altLang="zh-CN" sz="2800" dirty="0"/>
           </a:p>
           <a:p>
+            <a:pPr marL="0" indent="0">
+              <a:buNone/>
+            </a:pPr>
+            <a:endParaRPr lang="en-US" altLang="zh-CN" sz="2800" dirty="0"/>
+          </a:p>
+          <a:p>
             <a:pPr eaLnBrk="1" hangingPunct="1">
               <a:lnSpc>
                 <a:spcPct val="200000"/>
@@ -5825,12 +5917,6 @@
               </a:rPr>
               <a:t>）</a:t>
             </a:r>
-            <a:br>
-              <a:rPr lang="en-US" altLang="zh-CN" sz="1600" dirty="0">
-                <a:latin typeface="黑体" panose="02010609060101010101" pitchFamily="49" charset="-122"/>
-                <a:ea typeface="黑体" panose="02010609060101010101" pitchFamily="49" charset="-122"/>
-              </a:rPr>
-            </a:br>
             <a:endParaRPr lang="en-US" altLang="zh-CN" sz="1600" dirty="0">
               <a:latin typeface="黑体" panose="02010609060101010101" pitchFamily="49" charset="-122"/>
               <a:ea typeface="黑体" panose="02010609060101010101" pitchFamily="49" charset="-122"/>
@@ -5866,6 +5952,42 @@
                 <a:ea typeface="黑体" panose="02010609060101010101" pitchFamily="49" charset="-122"/>
               </a:rPr>
               <a:t>算法对白样本的要求很高，如果混入恶意指令，会对结果产生巨大的干扰</a:t>
+            </a:r>
+            <a:endParaRPr lang="en-US" altLang="zh-CN" sz="1600" dirty="0">
+              <a:latin typeface="黑体" panose="02010609060101010101" pitchFamily="49" charset="-122"/>
+              <a:ea typeface="黑体" panose="02010609060101010101" pitchFamily="49" charset="-122"/>
+            </a:endParaRPr>
+          </a:p>
+          <a:p>
+            <a:pPr eaLnBrk="1" hangingPunct="1">
+              <a:lnSpc>
+                <a:spcPct val="200000"/>
+              </a:lnSpc>
+              <a:buClr>
+                <a:srgbClr val="0070C0"/>
+              </a:buClr>
+              <a:buFont typeface="Wingdings" panose="05000000000000000000" pitchFamily="2" charset="2"/>
+              <a:buChar char="Ø"/>
+            </a:pPr>
+            <a:r>
+              <a:rPr lang="zh-CN" altLang="en-US" sz="2000" dirty="0">
+                <a:latin typeface="黑体" panose="02010609060101010101" pitchFamily="49" charset="-122"/>
+                <a:ea typeface="黑体" panose="02010609060101010101" pitchFamily="49" charset="-122"/>
+              </a:rPr>
+              <a:t>报警抖动控制</a:t>
+            </a:r>
+            <a:br>
+              <a:rPr lang="en-US" altLang="zh-CN" sz="1600" dirty="0">
+                <a:latin typeface="黑体" panose="02010609060101010101" pitchFamily="49" charset="-122"/>
+                <a:ea typeface="黑体" panose="02010609060101010101" pitchFamily="49" charset="-122"/>
+              </a:rPr>
+            </a:br>
+            <a:r>
+              <a:rPr lang="zh-CN" altLang="en-US" sz="1600" dirty="0">
+                <a:latin typeface="黑体" panose="02010609060101010101" pitchFamily="49" charset="-122"/>
+                <a:ea typeface="黑体" panose="02010609060101010101" pitchFamily="49" charset="-122"/>
+              </a:rPr>
+              <a:t>当有新业务出现时，系统会报出众多恶意指令，重复提示管理员</a:t>
             </a:r>
             <a:endParaRPr lang="en-US" altLang="zh-CN" sz="1600" dirty="0">
               <a:latin typeface="黑体" panose="02010609060101010101" pitchFamily="49" charset="-122"/>
@@ -6032,8 +6154,8 @@
         </p:nvSpPr>
         <p:spPr>
           <a:xfrm>
-            <a:off x="2555776" y="2852936"/>
-            <a:ext cx="4176464" cy="1800200"/>
+            <a:off x="683568" y="1052736"/>
+            <a:ext cx="7776864" cy="5112568"/>
           </a:xfrm>
         </p:spPr>
         <p:txBody>
@@ -6044,13 +6166,70 @@
               <a:buNone/>
             </a:pPr>
             <a:r>
-              <a:rPr lang="zh-CN" altLang="en-US" sz="6600" dirty="0"/>
-              <a:t>谢谢观看</a:t>
-            </a:r>
-            <a:r>
               <a:rPr lang="zh-CN" altLang="en-US" sz="2800" dirty="0"/>
-              <a:t>！</a:t>
-            </a:r>
+              <a:t>上线</a:t>
+            </a:r>
+            <a:endParaRPr lang="en-US" altLang="zh-CN" sz="2800" dirty="0"/>
+          </a:p>
+          <a:p>
+            <a:pPr marL="0" indent="0">
+              <a:buNone/>
+            </a:pPr>
+            <a:endParaRPr lang="en-US" altLang="zh-CN" sz="2800" dirty="0"/>
+          </a:p>
+          <a:p>
+            <a:pPr eaLnBrk="1" hangingPunct="1">
+              <a:lnSpc>
+                <a:spcPct val="200000"/>
+              </a:lnSpc>
+              <a:buClr>
+                <a:srgbClr val="0070C0"/>
+              </a:buClr>
+              <a:buFont typeface="Wingdings" panose="05000000000000000000" pitchFamily="2" charset="2"/>
+              <a:buChar char="Ø"/>
+            </a:pPr>
+            <a:r>
+              <a:rPr lang="zh-CN" altLang="en-US" sz="2000" dirty="0">
+                <a:latin typeface="黑体" panose="02010609060101010101" pitchFamily="49" charset="-122"/>
+                <a:ea typeface="黑体" panose="02010609060101010101" pitchFamily="49" charset="-122"/>
+              </a:rPr>
+              <a:t>历史相关性学习</a:t>
+            </a:r>
+            <a:br>
+              <a:rPr lang="en-US" altLang="zh-CN" sz="2800" dirty="0">
+                <a:latin typeface="黑体" panose="02010609060101010101" pitchFamily="49" charset="-122"/>
+                <a:ea typeface="黑体" panose="02010609060101010101" pitchFamily="49" charset="-122"/>
+              </a:rPr>
+            </a:br>
+            <a:endParaRPr lang="en-US" altLang="zh-CN" sz="1600" dirty="0">
+              <a:latin typeface="黑体" panose="02010609060101010101" pitchFamily="49" charset="-122"/>
+              <a:ea typeface="黑体" panose="02010609060101010101" pitchFamily="49" charset="-122"/>
+            </a:endParaRPr>
+          </a:p>
+          <a:p>
+            <a:pPr eaLnBrk="1" hangingPunct="1">
+              <a:lnSpc>
+                <a:spcPct val="200000"/>
+              </a:lnSpc>
+              <a:buClr>
+                <a:srgbClr val="0070C0"/>
+              </a:buClr>
+              <a:buFont typeface="Wingdings" panose="05000000000000000000" pitchFamily="2" charset="2"/>
+              <a:buChar char="Ø"/>
+            </a:pPr>
+            <a:r>
+              <a:rPr lang="zh-CN" altLang="en-US" sz="2000" dirty="0">
+                <a:latin typeface="黑体" panose="02010609060101010101" pitchFamily="49" charset="-122"/>
+                <a:ea typeface="黑体" panose="02010609060101010101" pitchFamily="49" charset="-122"/>
+              </a:rPr>
+              <a:t>误报</a:t>
+            </a:r>
+            <a:br>
+              <a:rPr lang="en-US" altLang="zh-CN" sz="2800" dirty="0">
+                <a:latin typeface="黑体" panose="02010609060101010101" pitchFamily="49" charset="-122"/>
+                <a:ea typeface="黑体" panose="02010609060101010101" pitchFamily="49" charset="-122"/>
+              </a:rPr>
+            </a:br>
             <a:endParaRPr lang="en-US" altLang="zh-CN" sz="2800" dirty="0"/>
           </a:p>
           <a:p>
@@ -6061,7 +6240,7 @@
     </p:spTree>
     <p:extLst>
       <p:ext uri="{BB962C8B-B14F-4D97-AF65-F5344CB8AC3E}">
-        <p14:creationId xmlns:p14="http://schemas.microsoft.com/office/powerpoint/2010/main" val="1097869736"/>
+        <p14:creationId xmlns:p14="http://schemas.microsoft.com/office/powerpoint/2010/main" val="1195825505"/>
       </p:ext>
     </p:extLst>
   </p:cSld>
@@ -6074,7 +6253,7 @@
 </p:sld>
 </file>
 
-<file path=ppt/slides/slide2.xml><?xml version="1.0" encoding="utf-8"?>
+<file path=ppt/slides/slide14.xml><?xml version="1.0" encoding="utf-8"?>
 <p:sld xmlns:a="http://schemas.openxmlformats.org/drawingml/2006/main" xmlns:r="http://schemas.openxmlformats.org/officeDocument/2006/relationships" xmlns:p="http://schemas.openxmlformats.org/presentationml/2006/main">
   <p:cSld>
     <p:spTree>
@@ -6106,7 +6285,7 @@
           <p:nvPr/>
         </p:nvPicPr>
         <p:blipFill>
-          <a:blip r:embed="rId2">
+          <a:blip r:embed="rId3">
             <a:extLst>
               <a:ext uri="{28A0092B-C50C-407E-A947-70E740481C1C}">
                 <a14:useLocalDpi xmlns:a14="http://schemas.microsoft.com/office/drawing/2010/main" val="0"/>
@@ -6169,8 +6348,8 @@
         </p:nvSpPr>
         <p:spPr>
           <a:xfrm>
-            <a:off x="7596188" y="260350"/>
-            <a:ext cx="1090612" cy="287338"/>
+            <a:off x="6948264" y="260350"/>
+            <a:ext cx="1738536" cy="287338"/>
           </a:xfrm>
         </p:spPr>
         <p:txBody>
@@ -6179,136 +6358,66 @@
           <a:p>
             <a:pPr eaLnBrk="1" hangingPunct="1"/>
             <a:r>
-              <a:rPr lang="zh-CN" altLang="en-US" sz="1400">
+              <a:rPr lang="zh-CN" altLang="en-US" sz="1400" dirty="0">
                 <a:solidFill>
                   <a:schemeClr val="bg1"/>
                 </a:solidFill>
               </a:rPr>
-              <a:t>目录</a:t>
-            </a:r>
-          </a:p>
-        </p:txBody>
-      </p:sp>
-      <p:sp>
-        <p:nvSpPr>
-          <p:cNvPr id="4100" name="Rectangle 3">
+              <a:t>问题</a:t>
+            </a:r>
+          </a:p>
+        </p:txBody>
+      </p:sp>
+      <p:sp>
+        <p:nvSpPr>
+          <p:cNvPr id="2" name="内容占位符 1">
             <a:extLst>
               <a:ext uri="{FF2B5EF4-FFF2-40B4-BE49-F238E27FC236}">
-                <a16:creationId xmlns:a16="http://schemas.microsoft.com/office/drawing/2014/main" id="{9AEE5139-4BE4-47A7-A331-28AB93E31820}"/>
+                <a16:creationId xmlns:a16="http://schemas.microsoft.com/office/drawing/2014/main" id="{CD857E8F-5098-4631-9D62-0AE7A06A0474}"/>
               </a:ext>
             </a:extLst>
           </p:cNvPr>
           <p:cNvSpPr>
-            <a:spLocks noGrp="1" noChangeArrowheads="1"/>
-          </p:cNvSpPr>
-          <p:nvPr>
-            <p:ph type="body" idx="1"/>
+            <a:spLocks noGrp="1"/>
+          </p:cNvSpPr>
+          <p:nvPr>
+            <p:ph idx="1"/>
           </p:nvPr>
         </p:nvSpPr>
         <p:spPr>
           <a:xfrm>
-            <a:off x="1115616" y="1556792"/>
-            <a:ext cx="7499176" cy="4525963"/>
+            <a:off x="2555776" y="2852936"/>
+            <a:ext cx="4176464" cy="1800200"/>
           </a:xfrm>
         </p:spPr>
         <p:txBody>
           <a:bodyPr/>
           <a:lstStyle/>
           <a:p>
-            <a:pPr eaLnBrk="1" hangingPunct="1">
-              <a:lnSpc>
-                <a:spcPct val="200000"/>
-              </a:lnSpc>
-              <a:buClr>
-                <a:srgbClr val="0070C0"/>
-              </a:buClr>
-              <a:buFont typeface="Wingdings" panose="05000000000000000000" pitchFamily="2" charset="2"/>
-              <a:buChar char="Ø"/>
+            <a:pPr marL="0" indent="0">
+              <a:buNone/>
             </a:pPr>
             <a:r>
-              <a:rPr lang="zh-CN" altLang="en-US" dirty="0">
-                <a:latin typeface="黑体" panose="02010609060101010101" pitchFamily="49" charset="-122"/>
-                <a:ea typeface="黑体" panose="02010609060101010101" pitchFamily="49" charset="-122"/>
-              </a:rPr>
-              <a:t>问题概述</a:t>
-            </a:r>
-            <a:endParaRPr lang="en-US" altLang="zh-CN" dirty="0">
-              <a:latin typeface="黑体" panose="02010609060101010101" pitchFamily="49" charset="-122"/>
-              <a:ea typeface="黑体" panose="02010609060101010101" pitchFamily="49" charset="-122"/>
-            </a:endParaRPr>
-          </a:p>
-          <a:p>
-            <a:pPr eaLnBrk="1" hangingPunct="1">
-              <a:lnSpc>
-                <a:spcPct val="200000"/>
-              </a:lnSpc>
-              <a:buClr>
-                <a:srgbClr val="0070C0"/>
-              </a:buClr>
-              <a:buFont typeface="Wingdings" panose="05000000000000000000" pitchFamily="2" charset="2"/>
-              <a:buChar char="Ø"/>
-            </a:pPr>
-            <a:r>
-              <a:rPr lang="zh-CN" altLang="en-US" dirty="0">
-                <a:latin typeface="黑体" panose="02010609060101010101" pitchFamily="49" charset="-122"/>
-                <a:ea typeface="黑体" panose="02010609060101010101" pitchFamily="49" charset="-122"/>
-              </a:rPr>
-              <a:t>已有方案</a:t>
-            </a:r>
-            <a:endParaRPr lang="en-US" altLang="zh-CN" dirty="0">
-              <a:latin typeface="黑体" panose="02010609060101010101" pitchFamily="49" charset="-122"/>
-              <a:ea typeface="黑体" panose="02010609060101010101" pitchFamily="49" charset="-122"/>
-            </a:endParaRPr>
-          </a:p>
-          <a:p>
-            <a:pPr eaLnBrk="1" hangingPunct="1">
-              <a:lnSpc>
-                <a:spcPct val="200000"/>
-              </a:lnSpc>
-              <a:buClr>
-                <a:srgbClr val="0070C0"/>
-              </a:buClr>
-              <a:buFont typeface="Wingdings" panose="05000000000000000000" pitchFamily="2" charset="2"/>
-              <a:buChar char="Ø"/>
-            </a:pPr>
-            <a:r>
-              <a:rPr lang="zh-CN" altLang="en-US" dirty="0">
-                <a:latin typeface="黑体" panose="02010609060101010101" pitchFamily="49" charset="-122"/>
-                <a:ea typeface="黑体" panose="02010609060101010101" pitchFamily="49" charset="-122"/>
-              </a:rPr>
-              <a:t>算法改进</a:t>
-            </a:r>
-            <a:endParaRPr lang="en-US" altLang="zh-CN" dirty="0">
-              <a:latin typeface="黑体" panose="02010609060101010101" pitchFamily="49" charset="-122"/>
-              <a:ea typeface="黑体" panose="02010609060101010101" pitchFamily="49" charset="-122"/>
-            </a:endParaRPr>
-          </a:p>
-          <a:p>
-            <a:pPr eaLnBrk="1" hangingPunct="1">
-              <a:lnSpc>
-                <a:spcPct val="200000"/>
-              </a:lnSpc>
-              <a:buClr>
-                <a:srgbClr val="0070C0"/>
-              </a:buClr>
-              <a:buFont typeface="Wingdings" panose="05000000000000000000" pitchFamily="2" charset="2"/>
-              <a:buChar char="Ø"/>
-            </a:pPr>
-            <a:r>
-              <a:rPr lang="zh-CN" altLang="en-US" dirty="0">
-                <a:latin typeface="黑体" panose="02010609060101010101" pitchFamily="49" charset="-122"/>
-                <a:ea typeface="黑体" panose="02010609060101010101" pitchFamily="49" charset="-122"/>
-              </a:rPr>
-              <a:t>缺陷与可选解决方案</a:t>
-            </a:r>
-            <a:endParaRPr lang="zh-CN" altLang="zh-CN" dirty="0">
-              <a:latin typeface="黑体" panose="02010609060101010101" pitchFamily="49" charset="-122"/>
-              <a:ea typeface="黑体" panose="02010609060101010101" pitchFamily="49" charset="-122"/>
-            </a:endParaRPr>
+              <a:rPr lang="zh-CN" altLang="en-US" sz="6600" dirty="0"/>
+              <a:t>谢谢观看</a:t>
+            </a:r>
+            <a:r>
+              <a:rPr lang="zh-CN" altLang="en-US" sz="2800" dirty="0"/>
+              <a:t>！</a:t>
+            </a:r>
+            <a:endParaRPr lang="en-US" altLang="zh-CN" sz="2800" dirty="0"/>
+          </a:p>
+          <a:p>
+            <a:endParaRPr lang="en-US" altLang="zh-CN" sz="2800" dirty="0"/>
           </a:p>
         </p:txBody>
       </p:sp>
     </p:spTree>
+    <p:extLst>
+      <p:ext uri="{BB962C8B-B14F-4D97-AF65-F5344CB8AC3E}">
+        <p14:creationId xmlns:p14="http://schemas.microsoft.com/office/powerpoint/2010/main" val="1097869736"/>
+      </p:ext>
+    </p:extLst>
   </p:cSld>
   <p:clrMapOvr>
     <a:masterClrMapping/>
@@ -6319,7 +6428,7 @@
 </p:sld>
 </file>
 
-<file path=ppt/slides/slide3.xml><?xml version="1.0" encoding="utf-8"?>
+<file path=ppt/slides/slide2.xml><?xml version="1.0" encoding="utf-8"?>
 <p:sld xmlns:a="http://schemas.openxmlformats.org/drawingml/2006/main" xmlns:r="http://schemas.openxmlformats.org/officeDocument/2006/relationships" xmlns:p="http://schemas.openxmlformats.org/presentationml/2006/main">
   <p:cSld>
     <p:spTree>
@@ -6338,10 +6447,10 @@
       </p:grpSpPr>
       <p:pic>
         <p:nvPicPr>
-          <p:cNvPr id="5122" name="Picture 5" descr="a4">
+          <p:cNvPr id="4098" name="Picture 5" descr="a4">
             <a:extLst>
               <a:ext uri="{FF2B5EF4-FFF2-40B4-BE49-F238E27FC236}">
-                <a16:creationId xmlns:a16="http://schemas.microsoft.com/office/drawing/2014/main" id="{A7C4D761-236D-4253-98DD-D85048EF5A19}"/>
+                <a16:creationId xmlns:a16="http://schemas.microsoft.com/office/drawing/2014/main" id="{C6132668-97CD-40FF-AA09-71A5C2157000}"/>
               </a:ext>
             </a:extLst>
           </p:cNvPr>
@@ -6351,7 +6460,7 @@
           <p:nvPr/>
         </p:nvPicPr>
         <p:blipFill>
-          <a:blip r:embed="rId3">
+          <a:blip r:embed="rId2">
             <a:extLst>
               <a:ext uri="{28A0092B-C50C-407E-A947-70E740481C1C}">
                 <a14:useLocalDpi xmlns:a14="http://schemas.microsoft.com/office/drawing/2010/main" val="0"/>
@@ -6398,10 +6507,10 @@
       </p:pic>
       <p:sp>
         <p:nvSpPr>
-          <p:cNvPr id="5123" name="Rectangle 2">
+          <p:cNvPr id="4099" name="Rectangle 2">
             <a:extLst>
               <a:ext uri="{FF2B5EF4-FFF2-40B4-BE49-F238E27FC236}">
-                <a16:creationId xmlns:a16="http://schemas.microsoft.com/office/drawing/2014/main" id="{8DB6593E-FE62-4463-BC66-73A9CB7B3241}"/>
+                <a16:creationId xmlns:a16="http://schemas.microsoft.com/office/drawing/2014/main" id="{109B7700-A2DA-4CDA-9F1B-7294D1879025}"/>
               </a:ext>
             </a:extLst>
           </p:cNvPr>
@@ -6424,155 +6533,41 @@
           <a:p>
             <a:pPr eaLnBrk="1" hangingPunct="1"/>
             <a:r>
-              <a:rPr lang="zh-CN" altLang="en-US" sz="1400" dirty="0">
+              <a:rPr lang="zh-CN" altLang="en-US" sz="1400">
                 <a:solidFill>
                   <a:schemeClr val="bg1"/>
                 </a:solidFill>
               </a:rPr>
-              <a:t>问题概述</a:t>
-            </a:r>
-          </a:p>
-        </p:txBody>
-      </p:sp>
-      <p:pic>
-        <p:nvPicPr>
-          <p:cNvPr id="2" name="图片 1">
+              <a:t>目录</a:t>
+            </a:r>
+          </a:p>
+        </p:txBody>
+      </p:sp>
+      <p:sp>
+        <p:nvSpPr>
+          <p:cNvPr id="4100" name="Rectangle 3">
             <a:extLst>
               <a:ext uri="{FF2B5EF4-FFF2-40B4-BE49-F238E27FC236}">
-                <a16:creationId xmlns:a16="http://schemas.microsoft.com/office/drawing/2014/main" id="{3048AF9E-47FE-4751-AE6F-1AD37AECDEE9}"/>
+                <a16:creationId xmlns:a16="http://schemas.microsoft.com/office/drawing/2014/main" id="{9AEE5139-4BE4-47A7-A331-28AB93E31820}"/>
               </a:ext>
             </a:extLst>
           </p:cNvPr>
-          <p:cNvPicPr>
-            <a:picLocks noChangeAspect="1"/>
-          </p:cNvPicPr>
-          <p:nvPr/>
-        </p:nvPicPr>
-        <p:blipFill>
-          <a:blip r:embed="rId4"/>
-          <a:stretch>
-            <a:fillRect/>
-          </a:stretch>
-        </p:blipFill>
+          <p:cNvSpPr>
+            <a:spLocks noGrp="1" noChangeArrowheads="1"/>
+          </p:cNvSpPr>
+          <p:nvPr>
+            <p:ph type="body" idx="1"/>
+          </p:nvPr>
+        </p:nvSpPr>
         <p:spPr>
           <a:xfrm>
-            <a:off x="3131839" y="4005064"/>
-            <a:ext cx="5472608" cy="2436642"/>
-          </a:xfrm>
-          <a:prstGeom prst="rect">
-            <a:avLst/>
-          </a:prstGeom>
-        </p:spPr>
-      </p:pic>
-      <p:sp>
-        <p:nvSpPr>
-          <p:cNvPr id="5124" name="Rectangle 3">
-            <a:extLst>
-              <a:ext uri="{FF2B5EF4-FFF2-40B4-BE49-F238E27FC236}">
-                <a16:creationId xmlns:a16="http://schemas.microsoft.com/office/drawing/2014/main" id="{99DE82EA-5C78-49A1-AFA2-4F0DAF619C5E}"/>
-              </a:ext>
-            </a:extLst>
-          </p:cNvPr>
-          <p:cNvSpPr>
-            <a:spLocks noGrp="1" noChangeArrowheads="1"/>
-          </p:cNvSpPr>
-          <p:nvPr>
-            <p:ph type="body" idx="1"/>
-          </p:nvPr>
-        </p:nvSpPr>
-        <p:spPr>
-          <a:xfrm>
-            <a:off x="467544" y="1274706"/>
-            <a:ext cx="2444280" cy="5132576"/>
+            <a:off x="1115616" y="1556792"/>
+            <a:ext cx="7499176" cy="4525963"/>
           </a:xfrm>
         </p:spPr>
         <p:txBody>
           <a:bodyPr/>
           <a:lstStyle/>
-          <a:p>
-            <a:pPr marL="0" indent="0" eaLnBrk="1" hangingPunct="1">
-              <a:lnSpc>
-                <a:spcPct val="200000"/>
-              </a:lnSpc>
-              <a:buClr>
-                <a:srgbClr val="0070C0"/>
-              </a:buClr>
-              <a:buNone/>
-            </a:pPr>
-            <a:r>
-              <a:rPr lang="zh-CN" altLang="en-US" sz="1600" dirty="0"/>
-              <a:t>检测</a:t>
-            </a:r>
-            <a:r>
-              <a:rPr lang="en-US" altLang="zh-CN" sz="1600" dirty="0"/>
-              <a:t>web</a:t>
-            </a:r>
-            <a:r>
-              <a:rPr lang="zh-CN" altLang="en-US" sz="1600" dirty="0"/>
-              <a:t>进程链（父进程为</a:t>
-            </a:r>
-            <a:r>
-              <a:rPr lang="en-US" altLang="zh-CN" sz="1600" dirty="0"/>
-              <a:t>java</a:t>
-            </a:r>
-            <a:r>
-              <a:rPr lang="zh-CN" altLang="en-US" sz="1600" dirty="0"/>
-              <a:t>）中的异常指令</a:t>
-            </a:r>
-            <a:endParaRPr lang="en-US" altLang="zh-CN" sz="1600" dirty="0"/>
-          </a:p>
-          <a:p>
-            <a:pPr marL="0" indent="0" eaLnBrk="1" hangingPunct="1">
-              <a:lnSpc>
-                <a:spcPct val="200000"/>
-              </a:lnSpc>
-              <a:buClr>
-                <a:srgbClr val="0070C0"/>
-              </a:buClr>
-              <a:buNone/>
-            </a:pPr>
-            <a:endParaRPr lang="en-US" altLang="zh-CN" sz="1600" dirty="0"/>
-          </a:p>
-          <a:p>
-            <a:pPr marL="0" indent="0" eaLnBrk="1" hangingPunct="1">
-              <a:lnSpc>
-                <a:spcPct val="200000"/>
-              </a:lnSpc>
-              <a:buClr>
-                <a:srgbClr val="0070C0"/>
-              </a:buClr>
-              <a:buNone/>
-            </a:pPr>
-            <a:endParaRPr lang="en-US" altLang="zh-CN" sz="1600" dirty="0"/>
-          </a:p>
-          <a:p>
-            <a:pPr marL="0" indent="0" eaLnBrk="1" hangingPunct="1">
-              <a:lnSpc>
-                <a:spcPct val="200000"/>
-              </a:lnSpc>
-              <a:buClr>
-                <a:srgbClr val="0070C0"/>
-              </a:buClr>
-              <a:buNone/>
-            </a:pPr>
-            <a:endParaRPr lang="en-US" altLang="zh-CN" sz="1600" dirty="0"/>
-          </a:p>
-          <a:p>
-            <a:pPr marL="0" indent="0" eaLnBrk="1" hangingPunct="1">
-              <a:lnSpc>
-                <a:spcPct val="200000"/>
-              </a:lnSpc>
-              <a:buClr>
-                <a:srgbClr val="0070C0"/>
-              </a:buClr>
-              <a:buNone/>
-            </a:pPr>
-            <a:r>
-              <a:rPr lang="zh-CN" altLang="en-US" sz="1600" dirty="0"/>
-              <a:t>两种攻击方式：</a:t>
-            </a:r>
-            <a:endParaRPr lang="en-US" altLang="zh-CN" sz="1600" dirty="0"/>
-          </a:p>
           <a:p>
             <a:pPr eaLnBrk="1" hangingPunct="1">
               <a:lnSpc>
@@ -6581,14 +6576,20 @@
               <a:buClr>
                 <a:srgbClr val="0070C0"/>
               </a:buClr>
-              <a:buFont typeface="+mj-lt"/>
-              <a:buAutoNum type="arabicPeriod"/>
+              <a:buFont typeface="Wingdings" panose="05000000000000000000" pitchFamily="2" charset="2"/>
+              <a:buChar char="Ø"/>
             </a:pPr>
             <a:r>
-              <a:rPr lang="zh-CN" altLang="en-US" sz="1600" dirty="0"/>
-              <a:t>恶意命令执行</a:t>
-            </a:r>
-            <a:endParaRPr lang="en-US" altLang="zh-CN" sz="1600" dirty="0"/>
+              <a:rPr lang="zh-CN" altLang="en-US" dirty="0">
+                <a:latin typeface="黑体" panose="02010609060101010101" pitchFamily="49" charset="-122"/>
+                <a:ea typeface="黑体" panose="02010609060101010101" pitchFamily="49" charset="-122"/>
+              </a:rPr>
+              <a:t>问题概述</a:t>
+            </a:r>
+            <a:endParaRPr lang="en-US" altLang="zh-CN" dirty="0">
+              <a:latin typeface="黑体" panose="02010609060101010101" pitchFamily="49" charset="-122"/>
+              <a:ea typeface="黑体" panose="02010609060101010101" pitchFamily="49" charset="-122"/>
+            </a:endParaRPr>
           </a:p>
           <a:p>
             <a:pPr eaLnBrk="1" hangingPunct="1">
@@ -6598,47 +6599,69 @@
               <a:buClr>
                 <a:srgbClr val="0070C0"/>
               </a:buClr>
-              <a:buFont typeface="+mj-lt"/>
-              <a:buAutoNum type="arabicPeriod"/>
+              <a:buFont typeface="Wingdings" panose="05000000000000000000" pitchFamily="2" charset="2"/>
+              <a:buChar char="Ø"/>
             </a:pPr>
             <a:r>
-              <a:rPr lang="zh-CN" altLang="en-US" sz="1600" dirty="0"/>
-              <a:t>命令注入</a:t>
-            </a:r>
-            <a:endParaRPr lang="zh-CN" altLang="zh-CN" sz="1600" dirty="0"/>
-          </a:p>
-        </p:txBody>
-      </p:sp>
-      <p:pic>
-        <p:nvPicPr>
-          <p:cNvPr id="4" name="图片 3">
-            <a:extLst>
-              <a:ext uri="{FF2B5EF4-FFF2-40B4-BE49-F238E27FC236}">
-                <a16:creationId xmlns:a16="http://schemas.microsoft.com/office/drawing/2014/main" id="{FE241223-DB8F-45F6-8F53-D5E674D93255}"/>
-              </a:ext>
-            </a:extLst>
-          </p:cNvPr>
-          <p:cNvPicPr>
-            <a:picLocks noChangeAspect="1"/>
-          </p:cNvPicPr>
-          <p:nvPr/>
-        </p:nvPicPr>
-        <p:blipFill>
-          <a:blip r:embed="rId5"/>
-          <a:stretch>
-            <a:fillRect/>
-          </a:stretch>
-        </p:blipFill>
-        <p:spPr>
-          <a:xfrm>
-            <a:off x="3110008" y="1309130"/>
-            <a:ext cx="5494440" cy="2436642"/>
-          </a:xfrm>
-          <a:prstGeom prst="rect">
-            <a:avLst/>
-          </a:prstGeom>
-        </p:spPr>
-      </p:pic>
+              <a:rPr lang="zh-CN" altLang="en-US" dirty="0">
+                <a:latin typeface="黑体" panose="02010609060101010101" pitchFamily="49" charset="-122"/>
+                <a:ea typeface="黑体" panose="02010609060101010101" pitchFamily="49" charset="-122"/>
+              </a:rPr>
+              <a:t>已有方案</a:t>
+            </a:r>
+            <a:endParaRPr lang="en-US" altLang="zh-CN" dirty="0">
+              <a:latin typeface="黑体" panose="02010609060101010101" pitchFamily="49" charset="-122"/>
+              <a:ea typeface="黑体" panose="02010609060101010101" pitchFamily="49" charset="-122"/>
+            </a:endParaRPr>
+          </a:p>
+          <a:p>
+            <a:pPr eaLnBrk="1" hangingPunct="1">
+              <a:lnSpc>
+                <a:spcPct val="200000"/>
+              </a:lnSpc>
+              <a:buClr>
+                <a:srgbClr val="0070C0"/>
+              </a:buClr>
+              <a:buFont typeface="Wingdings" panose="05000000000000000000" pitchFamily="2" charset="2"/>
+              <a:buChar char="Ø"/>
+            </a:pPr>
+            <a:r>
+              <a:rPr lang="zh-CN" altLang="en-US" dirty="0">
+                <a:latin typeface="黑体" panose="02010609060101010101" pitchFamily="49" charset="-122"/>
+                <a:ea typeface="黑体" panose="02010609060101010101" pitchFamily="49" charset="-122"/>
+              </a:rPr>
+              <a:t>算法改进</a:t>
+            </a:r>
+            <a:endParaRPr lang="en-US" altLang="zh-CN" dirty="0">
+              <a:latin typeface="黑体" panose="02010609060101010101" pitchFamily="49" charset="-122"/>
+              <a:ea typeface="黑体" panose="02010609060101010101" pitchFamily="49" charset="-122"/>
+            </a:endParaRPr>
+          </a:p>
+          <a:p>
+            <a:pPr eaLnBrk="1" hangingPunct="1">
+              <a:lnSpc>
+                <a:spcPct val="200000"/>
+              </a:lnSpc>
+              <a:buClr>
+                <a:srgbClr val="0070C0"/>
+              </a:buClr>
+              <a:buFont typeface="Wingdings" panose="05000000000000000000" pitchFamily="2" charset="2"/>
+              <a:buChar char="Ø"/>
+            </a:pPr>
+            <a:r>
+              <a:rPr lang="zh-CN" altLang="en-US" dirty="0">
+                <a:latin typeface="黑体" panose="02010609060101010101" pitchFamily="49" charset="-122"/>
+                <a:ea typeface="黑体" panose="02010609060101010101" pitchFamily="49" charset="-122"/>
+              </a:rPr>
+              <a:t>缺陷与可选解决方案</a:t>
+            </a:r>
+            <a:endParaRPr lang="zh-CN" altLang="zh-CN" dirty="0">
+              <a:latin typeface="黑体" panose="02010609060101010101" pitchFamily="49" charset="-122"/>
+              <a:ea typeface="黑体" panose="02010609060101010101" pitchFamily="49" charset="-122"/>
+            </a:endParaRPr>
+          </a:p>
+        </p:txBody>
+      </p:sp>
     </p:spTree>
   </p:cSld>
   <p:clrMapOvr>
@@ -6650,7 +6673,7 @@
 </p:sld>
 </file>
 
-<file path=ppt/slides/slide4.xml><?xml version="1.0" encoding="utf-8"?>
+<file path=ppt/slides/slide3.xml><?xml version="1.0" encoding="utf-8"?>
 <p:sld xmlns:a="http://schemas.openxmlformats.org/drawingml/2006/main" xmlns:r="http://schemas.openxmlformats.org/officeDocument/2006/relationships" xmlns:p="http://schemas.openxmlformats.org/presentationml/2006/main">
   <p:cSld>
     <p:spTree>
@@ -6669,10 +6692,10 @@
       </p:grpSpPr>
       <p:pic>
         <p:nvPicPr>
-          <p:cNvPr id="4098" name="Picture 5" descr="a4">
+          <p:cNvPr id="5122" name="Picture 5" descr="a4">
             <a:extLst>
               <a:ext uri="{FF2B5EF4-FFF2-40B4-BE49-F238E27FC236}">
-                <a16:creationId xmlns:a16="http://schemas.microsoft.com/office/drawing/2014/main" id="{C6132668-97CD-40FF-AA09-71A5C2157000}"/>
+                <a16:creationId xmlns:a16="http://schemas.microsoft.com/office/drawing/2014/main" id="{A7C4D761-236D-4253-98DD-D85048EF5A19}"/>
               </a:ext>
             </a:extLst>
           </p:cNvPr>
@@ -6682,7 +6705,7 @@
           <p:nvPr/>
         </p:nvPicPr>
         <p:blipFill>
-          <a:blip r:embed="rId2">
+          <a:blip r:embed="rId3">
             <a:extLst>
               <a:ext uri="{28A0092B-C50C-407E-A947-70E740481C1C}">
                 <a14:useLocalDpi xmlns:a14="http://schemas.microsoft.com/office/drawing/2010/main" val="0"/>
@@ -6729,10 +6752,10 @@
       </p:pic>
       <p:sp>
         <p:nvSpPr>
-          <p:cNvPr id="4099" name="Rectangle 2">
+          <p:cNvPr id="5123" name="Rectangle 2">
             <a:extLst>
               <a:ext uri="{FF2B5EF4-FFF2-40B4-BE49-F238E27FC236}">
-                <a16:creationId xmlns:a16="http://schemas.microsoft.com/office/drawing/2014/main" id="{109B7700-A2DA-4CDA-9F1B-7294D1879025}"/>
+                <a16:creationId xmlns:a16="http://schemas.microsoft.com/office/drawing/2014/main" id="{8DB6593E-FE62-4463-BC66-73A9CB7B3241}"/>
               </a:ext>
             </a:extLst>
           </p:cNvPr>
@@ -6760,210 +6783,217 @@
                   <a:schemeClr val="bg1"/>
                 </a:solidFill>
               </a:rPr>
-              <a:t>已有方案</a:t>
-            </a:r>
-          </a:p>
-        </p:txBody>
-      </p:sp>
-      <p:sp>
-        <p:nvSpPr>
-          <p:cNvPr id="4100" name="Rectangle 3">
+              <a:t>问题概述</a:t>
+            </a:r>
+          </a:p>
+        </p:txBody>
+      </p:sp>
+      <p:pic>
+        <p:nvPicPr>
+          <p:cNvPr id="2" name="图片 1">
             <a:extLst>
               <a:ext uri="{FF2B5EF4-FFF2-40B4-BE49-F238E27FC236}">
-                <a16:creationId xmlns:a16="http://schemas.microsoft.com/office/drawing/2014/main" id="{9AEE5139-4BE4-47A7-A331-28AB93E31820}"/>
+                <a16:creationId xmlns:a16="http://schemas.microsoft.com/office/drawing/2014/main" id="{3048AF9E-47FE-4751-AE6F-1AD37AECDEE9}"/>
               </a:ext>
             </a:extLst>
           </p:cNvPr>
-          <p:cNvSpPr>
-            <a:spLocks noGrp="1" noChangeArrowheads="1"/>
-          </p:cNvSpPr>
-          <p:nvPr>
-            <p:ph type="body" idx="1"/>
-          </p:nvPr>
-        </p:nvSpPr>
+          <p:cNvPicPr>
+            <a:picLocks noChangeAspect="1"/>
+          </p:cNvPicPr>
+          <p:nvPr/>
+        </p:nvPicPr>
+        <p:blipFill>
+          <a:blip r:embed="rId4"/>
+          <a:stretch>
+            <a:fillRect/>
+          </a:stretch>
+        </p:blipFill>
         <p:spPr>
           <a:xfrm>
-            <a:off x="899592" y="1196752"/>
-            <a:ext cx="7499176" cy="4525963"/>
+            <a:off x="3131839" y="4005064"/>
+            <a:ext cx="5472608" cy="2436642"/>
+          </a:xfrm>
+          <a:prstGeom prst="rect">
+            <a:avLst/>
+          </a:prstGeom>
+        </p:spPr>
+      </p:pic>
+      <p:sp>
+        <p:nvSpPr>
+          <p:cNvPr id="5124" name="Rectangle 3">
+            <a:extLst>
+              <a:ext uri="{FF2B5EF4-FFF2-40B4-BE49-F238E27FC236}">
+                <a16:creationId xmlns:a16="http://schemas.microsoft.com/office/drawing/2014/main" id="{99DE82EA-5C78-49A1-AFA2-4F0DAF619C5E}"/>
+              </a:ext>
+            </a:extLst>
+          </p:cNvPr>
+          <p:cNvSpPr>
+            <a:spLocks noGrp="1" noChangeArrowheads="1"/>
+          </p:cNvSpPr>
+          <p:nvPr>
+            <p:ph type="body" idx="1"/>
+          </p:nvPr>
+        </p:nvSpPr>
+        <p:spPr>
+          <a:xfrm>
+            <a:off x="467544" y="1274706"/>
+            <a:ext cx="2444280" cy="5132576"/>
           </a:xfrm>
         </p:spPr>
         <p:txBody>
           <a:bodyPr/>
           <a:lstStyle/>
           <a:p>
-            <a:pPr eaLnBrk="1" hangingPunct="1">
+            <a:pPr marL="0" indent="0" eaLnBrk="1" hangingPunct="1">
               <a:lnSpc>
-                <a:spcPct val="150000"/>
+                <a:spcPct val="200000"/>
               </a:lnSpc>
               <a:buClr>
                 <a:srgbClr val="0070C0"/>
               </a:buClr>
-              <a:buFont typeface="Wingdings" panose="05000000000000000000" pitchFamily="2" charset="2"/>
-              <a:buChar char="Ø"/>
+              <a:buNone/>
             </a:pPr>
             <a:r>
-              <a:rPr lang="zh-CN" altLang="en-US" dirty="0">
-                <a:latin typeface="黑体" panose="02010609060101010101" pitchFamily="49" charset="-122"/>
-                <a:ea typeface="黑体" panose="02010609060101010101" pitchFamily="49" charset="-122"/>
-              </a:rPr>
-              <a:t>已有方案</a:t>
-            </a:r>
-            <a:endParaRPr lang="en-US" altLang="zh-CN" dirty="0">
-              <a:latin typeface="黑体" panose="02010609060101010101" pitchFamily="49" charset="-122"/>
-              <a:ea typeface="黑体" panose="02010609060101010101" pitchFamily="49" charset="-122"/>
-            </a:endParaRPr>
-          </a:p>
-          <a:p>
-            <a:pPr lvl="1" eaLnBrk="1" hangingPunct="1">
+              <a:rPr lang="zh-CN" altLang="en-US" sz="1600" dirty="0"/>
+              <a:t>检测</a:t>
+            </a:r>
+            <a:r>
+              <a:rPr lang="en-US" altLang="zh-CN" sz="1600" dirty="0"/>
+              <a:t>web</a:t>
+            </a:r>
+            <a:r>
+              <a:rPr lang="zh-CN" altLang="en-US" sz="1600" dirty="0"/>
+              <a:t>进程链（父进程为</a:t>
+            </a:r>
+            <a:r>
+              <a:rPr lang="en-US" altLang="zh-CN" sz="1600" dirty="0"/>
+              <a:t>java</a:t>
+            </a:r>
+            <a:r>
+              <a:rPr lang="zh-CN" altLang="en-US" sz="1600" dirty="0"/>
+              <a:t>）中的异常指令</a:t>
+            </a:r>
+            <a:endParaRPr lang="en-US" altLang="zh-CN" sz="1600" dirty="0"/>
+          </a:p>
+          <a:p>
+            <a:pPr marL="0" indent="0" eaLnBrk="1" hangingPunct="1">
               <a:lnSpc>
-                <a:spcPct val="150000"/>
+                <a:spcPct val="200000"/>
               </a:lnSpc>
               <a:buClr>
                 <a:srgbClr val="0070C0"/>
               </a:buClr>
-              <a:buFont typeface="Wingdings" panose="05000000000000000000" pitchFamily="2" charset="2"/>
-              <a:buChar char="Ø"/>
+              <a:buNone/>
             </a:pPr>
-            <a:r>
-              <a:rPr lang="zh-CN" altLang="en-US" dirty="0">
-                <a:latin typeface="黑体" panose="02010609060101010101" pitchFamily="49" charset="-122"/>
-                <a:ea typeface="黑体" panose="02010609060101010101" pitchFamily="49" charset="-122"/>
-              </a:rPr>
-              <a:t>有监督学习</a:t>
-            </a:r>
-            <a:endParaRPr lang="en-US" altLang="zh-CN" dirty="0">
-              <a:latin typeface="黑体" panose="02010609060101010101" pitchFamily="49" charset="-122"/>
-              <a:ea typeface="黑体" panose="02010609060101010101" pitchFamily="49" charset="-122"/>
-            </a:endParaRPr>
-          </a:p>
-          <a:p>
-            <a:pPr lvl="2" eaLnBrk="1" hangingPunct="1">
+            <a:endParaRPr lang="en-US" altLang="zh-CN" sz="1600" dirty="0"/>
+          </a:p>
+          <a:p>
+            <a:pPr marL="0" indent="0" eaLnBrk="1" hangingPunct="1">
               <a:lnSpc>
-                <a:spcPct val="150000"/>
+                <a:spcPct val="200000"/>
               </a:lnSpc>
               <a:buClr>
                 <a:srgbClr val="0070C0"/>
               </a:buClr>
-              <a:buFont typeface="Wingdings" panose="05000000000000000000" pitchFamily="2" charset="2"/>
-              <a:buChar char="Ø"/>
+              <a:buNone/>
             </a:pPr>
-            <a:r>
-              <a:rPr lang="zh-CN" altLang="en-US" dirty="0">
-                <a:latin typeface="黑体" panose="02010609060101010101" pitchFamily="49" charset="-122"/>
-                <a:ea typeface="黑体" panose="02010609060101010101" pitchFamily="49" charset="-122"/>
-              </a:rPr>
-              <a:t>文本分类（自然语言处理）</a:t>
-            </a:r>
-            <a:endParaRPr lang="en-US" altLang="zh-CN" dirty="0">
-              <a:latin typeface="黑体" panose="02010609060101010101" pitchFamily="49" charset="-122"/>
-              <a:ea typeface="黑体" panose="02010609060101010101" pitchFamily="49" charset="-122"/>
-            </a:endParaRPr>
-          </a:p>
-          <a:p>
-            <a:pPr lvl="1" eaLnBrk="1" hangingPunct="1">
+            <a:endParaRPr lang="en-US" altLang="zh-CN" sz="1600" dirty="0"/>
+          </a:p>
+          <a:p>
+            <a:pPr marL="0" indent="0" eaLnBrk="1" hangingPunct="1">
               <a:lnSpc>
-                <a:spcPct val="150000"/>
+                <a:spcPct val="200000"/>
               </a:lnSpc>
               <a:buClr>
                 <a:srgbClr val="0070C0"/>
               </a:buClr>
-              <a:buFont typeface="Wingdings" panose="05000000000000000000" pitchFamily="2" charset="2"/>
-              <a:buChar char="Ø"/>
+              <a:buNone/>
             </a:pPr>
-            <a:r>
-              <a:rPr lang="zh-CN" altLang="en-US" dirty="0">
-                <a:latin typeface="黑体" panose="02010609060101010101" pitchFamily="49" charset="-122"/>
-                <a:ea typeface="黑体" panose="02010609060101010101" pitchFamily="49" charset="-122"/>
-              </a:rPr>
-              <a:t>无监督学习</a:t>
-            </a:r>
-            <a:endParaRPr lang="en-US" altLang="zh-CN" dirty="0">
-              <a:latin typeface="黑体" panose="02010609060101010101" pitchFamily="49" charset="-122"/>
-              <a:ea typeface="黑体" panose="02010609060101010101" pitchFamily="49" charset="-122"/>
-            </a:endParaRPr>
-          </a:p>
-          <a:p>
-            <a:pPr lvl="2" eaLnBrk="1" hangingPunct="1">
+            <a:endParaRPr lang="en-US" altLang="zh-CN" sz="1600" dirty="0"/>
+          </a:p>
+          <a:p>
+            <a:pPr marL="0" indent="0" eaLnBrk="1" hangingPunct="1">
               <a:lnSpc>
-                <a:spcPct val="150000"/>
+                <a:spcPct val="200000"/>
               </a:lnSpc>
               <a:buClr>
                 <a:srgbClr val="0070C0"/>
               </a:buClr>
-              <a:buFont typeface="Wingdings" panose="05000000000000000000" pitchFamily="2" charset="2"/>
-              <a:buChar char="Ø"/>
+              <a:buNone/>
             </a:pPr>
             <a:r>
-              <a:rPr lang="zh-CN" altLang="en-US" dirty="0">
-                <a:latin typeface="黑体" panose="02010609060101010101" pitchFamily="49" charset="-122"/>
-                <a:ea typeface="黑体" panose="02010609060101010101" pitchFamily="49" charset="-122"/>
-              </a:rPr>
-              <a:t>基于</a:t>
-            </a:r>
-            <a:r>
-              <a:rPr lang="en-US" altLang="zh-CN" dirty="0">
-                <a:latin typeface="黑体" panose="02010609060101010101" pitchFamily="49" charset="-122"/>
-                <a:ea typeface="黑体" panose="02010609060101010101" pitchFamily="49" charset="-122"/>
-              </a:rPr>
-              <a:t>N-gram</a:t>
-            </a:r>
-            <a:r>
-              <a:rPr lang="zh-CN" altLang="en-US" dirty="0">
-                <a:latin typeface="黑体" panose="02010609060101010101" pitchFamily="49" charset="-122"/>
-                <a:ea typeface="黑体" panose="02010609060101010101" pitchFamily="49" charset="-122"/>
-              </a:rPr>
-              <a:t>距离的</a:t>
-            </a:r>
-            <a:r>
-              <a:rPr lang="en-US" altLang="zh-CN" dirty="0" err="1">
-                <a:latin typeface="黑体" panose="02010609060101010101" pitchFamily="49" charset="-122"/>
-                <a:ea typeface="黑体" panose="02010609060101010101" pitchFamily="49" charset="-122"/>
-              </a:rPr>
-              <a:t>Knn</a:t>
-            </a:r>
-            <a:r>
-              <a:rPr lang="zh-CN" altLang="en-US" dirty="0">
-                <a:latin typeface="黑体" panose="02010609060101010101" pitchFamily="49" charset="-122"/>
-                <a:ea typeface="黑体" panose="02010609060101010101" pitchFamily="49" charset="-122"/>
-              </a:rPr>
-              <a:t>算法</a:t>
-            </a:r>
-            <a:endParaRPr lang="en-US" altLang="zh-CN" dirty="0">
-              <a:latin typeface="黑体" panose="02010609060101010101" pitchFamily="49" charset="-122"/>
-              <a:ea typeface="黑体" panose="02010609060101010101" pitchFamily="49" charset="-122"/>
-            </a:endParaRPr>
-          </a:p>
-          <a:p>
-            <a:pPr lvl="2" eaLnBrk="1" hangingPunct="1">
+              <a:rPr lang="zh-CN" altLang="en-US" sz="1600" dirty="0"/>
+              <a:t>两种攻击方式：</a:t>
+            </a:r>
+            <a:endParaRPr lang="en-US" altLang="zh-CN" sz="1600" dirty="0"/>
+          </a:p>
+          <a:p>
+            <a:pPr eaLnBrk="1" hangingPunct="1">
               <a:lnSpc>
-                <a:spcPct val="150000"/>
+                <a:spcPct val="200000"/>
               </a:lnSpc>
               <a:buClr>
                 <a:srgbClr val="0070C0"/>
               </a:buClr>
-              <a:buFont typeface="Wingdings" panose="05000000000000000000" pitchFamily="2" charset="2"/>
-              <a:buChar char="Ø"/>
+              <a:buFont typeface="+mj-lt"/>
+              <a:buAutoNum type="arabicPeriod"/>
             </a:pPr>
             <a:r>
-              <a:rPr lang="zh-CN" altLang="en-US" dirty="0">
-                <a:latin typeface="黑体" panose="02010609060101010101" pitchFamily="49" charset="-122"/>
-                <a:ea typeface="黑体" panose="02010609060101010101" pitchFamily="49" charset="-122"/>
-              </a:rPr>
-              <a:t>异常检测</a:t>
-            </a:r>
-            <a:endParaRPr lang="en-US" altLang="zh-CN" dirty="0">
-              <a:latin typeface="黑体" panose="02010609060101010101" pitchFamily="49" charset="-122"/>
-              <a:ea typeface="黑体" panose="02010609060101010101" pitchFamily="49" charset="-122"/>
-            </a:endParaRPr>
-          </a:p>
-        </p:txBody>
-      </p:sp>
+              <a:rPr lang="zh-CN" altLang="en-US" sz="1600" dirty="0"/>
+              <a:t>恶意命令执行</a:t>
+            </a:r>
+            <a:endParaRPr lang="en-US" altLang="zh-CN" sz="1600" dirty="0"/>
+          </a:p>
+          <a:p>
+            <a:pPr eaLnBrk="1" hangingPunct="1">
+              <a:lnSpc>
+                <a:spcPct val="200000"/>
+              </a:lnSpc>
+              <a:buClr>
+                <a:srgbClr val="0070C0"/>
+              </a:buClr>
+              <a:buFont typeface="+mj-lt"/>
+              <a:buAutoNum type="arabicPeriod"/>
+            </a:pPr>
+            <a:r>
+              <a:rPr lang="zh-CN" altLang="en-US" sz="1600" dirty="0"/>
+              <a:t>命令注入</a:t>
+            </a:r>
+            <a:endParaRPr lang="zh-CN" altLang="zh-CN" sz="1600" dirty="0"/>
+          </a:p>
+        </p:txBody>
+      </p:sp>
+      <p:pic>
+        <p:nvPicPr>
+          <p:cNvPr id="4" name="图片 3">
+            <a:extLst>
+              <a:ext uri="{FF2B5EF4-FFF2-40B4-BE49-F238E27FC236}">
+                <a16:creationId xmlns:a16="http://schemas.microsoft.com/office/drawing/2014/main" id="{FE241223-DB8F-45F6-8F53-D5E674D93255}"/>
+              </a:ext>
+            </a:extLst>
+          </p:cNvPr>
+          <p:cNvPicPr>
+            <a:picLocks noChangeAspect="1"/>
+          </p:cNvPicPr>
+          <p:nvPr/>
+        </p:nvPicPr>
+        <p:blipFill>
+          <a:blip r:embed="rId5"/>
+          <a:stretch>
+            <a:fillRect/>
+          </a:stretch>
+        </p:blipFill>
+        <p:spPr>
+          <a:xfrm>
+            <a:off x="3110008" y="1309130"/>
+            <a:ext cx="5494440" cy="2436642"/>
+          </a:xfrm>
+          <a:prstGeom prst="rect">
+            <a:avLst/>
+          </a:prstGeom>
+        </p:spPr>
+      </p:pic>
     </p:spTree>
-    <p:extLst>
-      <p:ext uri="{BB962C8B-B14F-4D97-AF65-F5344CB8AC3E}">
-        <p14:creationId xmlns:p14="http://schemas.microsoft.com/office/powerpoint/2010/main" val="2204077126"/>
-      </p:ext>
-    </p:extLst>
   </p:cSld>
   <p:clrMapOvr>
     <a:masterClrMapping/>
@@ -6974,7 +7004,7 @@
 </p:sld>
 </file>
 
-<file path=ppt/slides/slide5.xml><?xml version="1.0" encoding="utf-8"?>
+<file path=ppt/slides/slide4.xml><?xml version="1.0" encoding="utf-8"?>
 <p:sld xmlns:a="http://schemas.openxmlformats.org/drawingml/2006/main" xmlns:r="http://schemas.openxmlformats.org/officeDocument/2006/relationships" xmlns:p="http://schemas.openxmlformats.org/presentationml/2006/main">
   <p:cSld>
     <p:spTree>
@@ -7107,225 +7137,185 @@
         </p:nvSpPr>
         <p:spPr>
           <a:xfrm>
-            <a:off x="5258566" y="1571049"/>
-            <a:ext cx="2885493" cy="4525963"/>
+            <a:off x="899592" y="1196752"/>
+            <a:ext cx="7499176" cy="4525963"/>
           </a:xfrm>
         </p:spPr>
         <p:txBody>
           <a:bodyPr/>
           <a:lstStyle/>
           <a:p>
-            <a:pPr marL="914400" lvl="1" indent="-457200" eaLnBrk="1" hangingPunct="1">
+            <a:pPr eaLnBrk="1" hangingPunct="1">
               <a:lnSpc>
-                <a:spcPct val="200000"/>
+                <a:spcPct val="150000"/>
               </a:lnSpc>
               <a:buClr>
                 <a:srgbClr val="0070C0"/>
               </a:buClr>
-              <a:buFont typeface="+mj-lt"/>
-              <a:buAutoNum type="arabicPeriod"/>
+              <a:buFont typeface="Wingdings" panose="05000000000000000000" pitchFamily="2" charset="2"/>
+              <a:buChar char="Ø"/>
             </a:pPr>
             <a:r>
-              <a:rPr lang="zh-CN" altLang="en-US" sz="2000" dirty="0">
+              <a:rPr lang="zh-CN" altLang="en-US" dirty="0">
                 <a:latin typeface="黑体" panose="02010609060101010101" pitchFamily="49" charset="-122"/>
                 <a:ea typeface="黑体" panose="02010609060101010101" pitchFamily="49" charset="-122"/>
               </a:rPr>
-              <a:t>数据预处理</a:t>
-            </a:r>
-            <a:endParaRPr lang="en-US" altLang="zh-CN" sz="2000" dirty="0">
+              <a:t>已有方案</a:t>
+            </a:r>
+            <a:endParaRPr lang="en-US" altLang="zh-CN" dirty="0">
               <a:latin typeface="黑体" panose="02010609060101010101" pitchFamily="49" charset="-122"/>
               <a:ea typeface="黑体" panose="02010609060101010101" pitchFamily="49" charset="-122"/>
             </a:endParaRPr>
           </a:p>
           <a:p>
-            <a:pPr marL="914400" lvl="1" indent="-457200" eaLnBrk="1" hangingPunct="1">
+            <a:pPr lvl="1" eaLnBrk="1" hangingPunct="1">
               <a:lnSpc>
-                <a:spcPct val="200000"/>
+                <a:spcPct val="150000"/>
               </a:lnSpc>
               <a:buClr>
                 <a:srgbClr val="0070C0"/>
               </a:buClr>
-              <a:buFont typeface="+mj-lt"/>
-              <a:buAutoNum type="arabicPeriod"/>
+              <a:buFont typeface="Wingdings" panose="05000000000000000000" pitchFamily="2" charset="2"/>
+              <a:buChar char="Ø"/>
             </a:pPr>
             <a:r>
-              <a:rPr lang="zh-CN" altLang="en-US" sz="2000" dirty="0">
+              <a:rPr lang="zh-CN" altLang="en-US" dirty="0">
                 <a:latin typeface="黑体" panose="02010609060101010101" pitchFamily="49" charset="-122"/>
                 <a:ea typeface="黑体" panose="02010609060101010101" pitchFamily="49" charset="-122"/>
               </a:rPr>
-              <a:t>命令向量化</a:t>
-            </a:r>
-            <a:endParaRPr lang="en-US" altLang="zh-CN" sz="2000" dirty="0">
+              <a:t>有监督学习</a:t>
+            </a:r>
+            <a:endParaRPr lang="en-US" altLang="zh-CN" dirty="0">
               <a:latin typeface="黑体" panose="02010609060101010101" pitchFamily="49" charset="-122"/>
               <a:ea typeface="黑体" panose="02010609060101010101" pitchFamily="49" charset="-122"/>
             </a:endParaRPr>
           </a:p>
           <a:p>
-            <a:pPr marL="914400" lvl="1" indent="-457200" eaLnBrk="1" hangingPunct="1">
+            <a:pPr lvl="2" eaLnBrk="1" hangingPunct="1">
               <a:lnSpc>
-                <a:spcPct val="200000"/>
+                <a:spcPct val="150000"/>
               </a:lnSpc>
               <a:buClr>
                 <a:srgbClr val="0070C0"/>
               </a:buClr>
-              <a:buFont typeface="+mj-lt"/>
-              <a:buAutoNum type="arabicPeriod"/>
+              <a:buFont typeface="Wingdings" panose="05000000000000000000" pitchFamily="2" charset="2"/>
+              <a:buChar char="Ø"/>
             </a:pPr>
             <a:r>
-              <a:rPr lang="zh-CN" altLang="en-US" sz="2000" dirty="0">
+              <a:rPr lang="zh-CN" altLang="en-US" dirty="0">
                 <a:latin typeface="黑体" panose="02010609060101010101" pitchFamily="49" charset="-122"/>
                 <a:ea typeface="黑体" panose="02010609060101010101" pitchFamily="49" charset="-122"/>
               </a:rPr>
-              <a:t>有监督分类</a:t>
-            </a:r>
-            <a:endParaRPr lang="en-US" altLang="zh-CN" sz="2000" dirty="0">
+              <a:t>文本分类（自然语言处理）</a:t>
+            </a:r>
+            <a:endParaRPr lang="en-US" altLang="zh-CN" dirty="0">
               <a:latin typeface="黑体" panose="02010609060101010101" pitchFamily="49" charset="-122"/>
               <a:ea typeface="黑体" panose="02010609060101010101" pitchFamily="49" charset="-122"/>
             </a:endParaRPr>
           </a:p>
           <a:p>
-            <a:pPr marL="914400" lvl="1" indent="-457200" eaLnBrk="1" hangingPunct="1">
+            <a:pPr lvl="1" eaLnBrk="1" hangingPunct="1">
               <a:lnSpc>
-                <a:spcPct val="200000"/>
+                <a:spcPct val="150000"/>
               </a:lnSpc>
               <a:buClr>
                 <a:srgbClr val="0070C0"/>
               </a:buClr>
-              <a:buFont typeface="+mj-lt"/>
-              <a:buAutoNum type="arabicPeriod"/>
+              <a:buFont typeface="Wingdings" panose="05000000000000000000" pitchFamily="2" charset="2"/>
+              <a:buChar char="Ø"/>
             </a:pPr>
             <a:r>
-              <a:rPr lang="zh-CN" altLang="en-US" sz="2000" dirty="0">
+              <a:rPr lang="zh-CN" altLang="en-US" dirty="0">
                 <a:latin typeface="黑体" panose="02010609060101010101" pitchFamily="49" charset="-122"/>
                 <a:ea typeface="黑体" panose="02010609060101010101" pitchFamily="49" charset="-122"/>
               </a:rPr>
-              <a:t>模型预测</a:t>
-            </a:r>
-            <a:endParaRPr lang="en-US" altLang="zh-CN" sz="2000" dirty="0">
+              <a:t>无监督学习</a:t>
+            </a:r>
+            <a:endParaRPr lang="en-US" altLang="zh-CN" dirty="0">
               <a:latin typeface="黑体" panose="02010609060101010101" pitchFamily="49" charset="-122"/>
               <a:ea typeface="黑体" panose="02010609060101010101" pitchFamily="49" charset="-122"/>
             </a:endParaRPr>
           </a:p>
           <a:p>
-            <a:pPr marL="457200" lvl="1" indent="0" eaLnBrk="1" hangingPunct="1">
+            <a:pPr lvl="2" eaLnBrk="1" hangingPunct="1">
               <a:lnSpc>
-                <a:spcPct val="200000"/>
+                <a:spcPct val="150000"/>
               </a:lnSpc>
               <a:buClr>
                 <a:srgbClr val="0070C0"/>
               </a:buClr>
-              <a:buNone/>
+              <a:buFont typeface="Wingdings" panose="05000000000000000000" pitchFamily="2" charset="2"/>
+              <a:buChar char="Ø"/>
             </a:pPr>
-            <a:endParaRPr lang="en-US" altLang="zh-CN" sz="2000" dirty="0">
+            <a:r>
+              <a:rPr lang="zh-CN" altLang="en-US" dirty="0">
+                <a:latin typeface="黑体" panose="02010609060101010101" pitchFamily="49" charset="-122"/>
+                <a:ea typeface="黑体" panose="02010609060101010101" pitchFamily="49" charset="-122"/>
+              </a:rPr>
+              <a:t>基于</a:t>
+            </a:r>
+            <a:r>
+              <a:rPr lang="en-US" altLang="zh-CN" dirty="0">
+                <a:latin typeface="黑体" panose="02010609060101010101" pitchFamily="49" charset="-122"/>
+                <a:ea typeface="黑体" panose="02010609060101010101" pitchFamily="49" charset="-122"/>
+              </a:rPr>
+              <a:t>N-gram</a:t>
+            </a:r>
+            <a:r>
+              <a:rPr lang="zh-CN" altLang="en-US" dirty="0">
+                <a:latin typeface="黑体" panose="02010609060101010101" pitchFamily="49" charset="-122"/>
+                <a:ea typeface="黑体" panose="02010609060101010101" pitchFamily="49" charset="-122"/>
+              </a:rPr>
+              <a:t>距离的</a:t>
+            </a:r>
+            <a:r>
+              <a:rPr lang="en-US" altLang="zh-CN" dirty="0" err="1">
+                <a:latin typeface="黑体" panose="02010609060101010101" pitchFamily="49" charset="-122"/>
+                <a:ea typeface="黑体" panose="02010609060101010101" pitchFamily="49" charset="-122"/>
+              </a:rPr>
+              <a:t>Knn</a:t>
+            </a:r>
+            <a:r>
+              <a:rPr lang="zh-CN" altLang="en-US" dirty="0">
+                <a:latin typeface="黑体" panose="02010609060101010101" pitchFamily="49" charset="-122"/>
+                <a:ea typeface="黑体" panose="02010609060101010101" pitchFamily="49" charset="-122"/>
+              </a:rPr>
+              <a:t>算法</a:t>
+            </a:r>
+            <a:endParaRPr lang="en-US" altLang="zh-CN" dirty="0">
               <a:latin typeface="黑体" panose="02010609060101010101" pitchFamily="49" charset="-122"/>
               <a:ea typeface="黑体" panose="02010609060101010101" pitchFamily="49" charset="-122"/>
             </a:endParaRPr>
           </a:p>
-        </p:txBody>
-      </p:sp>
-      <p:pic>
-        <p:nvPicPr>
-          <p:cNvPr id="3" name="图片 2">
-            <a:extLst>
-              <a:ext uri="{FF2B5EF4-FFF2-40B4-BE49-F238E27FC236}">
-                <a16:creationId xmlns:a16="http://schemas.microsoft.com/office/drawing/2014/main" id="{0C903F46-5F91-497D-B60D-3F1CBC2072AF}"/>
-              </a:ext>
-            </a:extLst>
-          </p:cNvPr>
-          <p:cNvPicPr>
-            <a:picLocks noChangeAspect="1"/>
-          </p:cNvPicPr>
-          <p:nvPr/>
-        </p:nvPicPr>
-        <p:blipFill>
-          <a:blip r:embed="rId3">
-            <a:extLst>
-              <a:ext uri="{28A0092B-C50C-407E-A947-70E740481C1C}">
-                <a14:useLocalDpi xmlns:a14="http://schemas.microsoft.com/office/drawing/2010/main" val="0"/>
-              </a:ext>
-            </a:extLst>
-          </a:blip>
-          <a:stretch>
-            <a:fillRect/>
-          </a:stretch>
-        </p:blipFill>
-        <p:spPr>
-          <a:xfrm>
-            <a:off x="251520" y="1268760"/>
-            <a:ext cx="4464495" cy="4065020"/>
-          </a:xfrm>
-          <a:prstGeom prst="rect">
-            <a:avLst/>
-          </a:prstGeom>
-        </p:spPr>
-      </p:pic>
-      <p:sp>
-        <p:nvSpPr>
-          <p:cNvPr id="4" name="文本框 3">
-            <a:extLst>
-              <a:ext uri="{FF2B5EF4-FFF2-40B4-BE49-F238E27FC236}">
-                <a16:creationId xmlns:a16="http://schemas.microsoft.com/office/drawing/2014/main" id="{A43C4C0B-61C7-44CA-9A95-242646BD6534}"/>
-              </a:ext>
-            </a:extLst>
-          </p:cNvPr>
-          <p:cNvSpPr txBox="1"/>
-          <p:nvPr/>
-        </p:nvSpPr>
-        <p:spPr>
-          <a:xfrm>
-            <a:off x="539552" y="5726558"/>
-            <a:ext cx="6532558" cy="369332"/>
-          </a:xfrm>
-          <a:prstGeom prst="rect">
-            <a:avLst/>
-          </a:prstGeom>
-          <a:noFill/>
-        </p:spPr>
-        <p:txBody>
-          <a:bodyPr wrap="none" rtlCol="0">
-            <a:spAutoFit/>
-          </a:bodyPr>
-          <a:lstStyle/>
-          <a:p>
-            <a:r>
-              <a:rPr lang="zh-CN" altLang="en-US" dirty="0"/>
-              <a:t>恶意数据来源：菜鸟教程与</a:t>
-            </a:r>
-            <a:r>
-              <a:rPr lang="en-US" altLang="zh-CN" dirty="0" err="1"/>
-              <a:t>linuxdc</a:t>
-            </a:r>
-            <a:r>
-              <a:rPr lang="zh-CN" altLang="en-US" dirty="0"/>
-              <a:t>站点</a:t>
-            </a:r>
-            <a:r>
-              <a:rPr lang="en-US" altLang="zh-CN" dirty="0" err="1"/>
-              <a:t>linux</a:t>
-            </a:r>
-            <a:r>
-              <a:rPr lang="zh-CN" altLang="en-US" dirty="0"/>
-              <a:t>教程里的</a:t>
-            </a:r>
-            <a:r>
-              <a:rPr lang="en-US" altLang="zh-CN" dirty="0" err="1"/>
-              <a:t>linux</a:t>
-            </a:r>
-            <a:r>
-              <a:rPr lang="en-US" altLang="zh-CN" dirty="0"/>
-              <a:t> </a:t>
-            </a:r>
-            <a:r>
-              <a:rPr lang="zh-CN" altLang="en-US" dirty="0"/>
-              <a:t>指令</a:t>
-            </a:r>
+          <a:p>
+            <a:pPr lvl="2" eaLnBrk="1" hangingPunct="1">
+              <a:lnSpc>
+                <a:spcPct val="150000"/>
+              </a:lnSpc>
+              <a:buClr>
+                <a:srgbClr val="0070C0"/>
+              </a:buClr>
+              <a:buFont typeface="Wingdings" panose="05000000000000000000" pitchFamily="2" charset="2"/>
+              <a:buChar char="Ø"/>
+            </a:pPr>
+            <a:r>
+              <a:rPr lang="zh-CN" altLang="en-US" dirty="0">
+                <a:latin typeface="黑体" panose="02010609060101010101" pitchFamily="49" charset="-122"/>
+                <a:ea typeface="黑体" panose="02010609060101010101" pitchFamily="49" charset="-122"/>
+              </a:rPr>
+              <a:t>异常检测</a:t>
+            </a:r>
+            <a:endParaRPr lang="en-US" altLang="zh-CN" dirty="0">
+              <a:latin typeface="黑体" panose="02010609060101010101" pitchFamily="49" charset="-122"/>
+              <a:ea typeface="黑体" panose="02010609060101010101" pitchFamily="49" charset="-122"/>
+            </a:endParaRPr>
           </a:p>
         </p:txBody>
       </p:sp>
     </p:spTree>
     <p:extLst>
       <p:ext uri="{BB962C8B-B14F-4D97-AF65-F5344CB8AC3E}">
-        <p14:creationId xmlns:p14="http://schemas.microsoft.com/office/powerpoint/2010/main" val="795667826"/>
+        <p14:creationId xmlns:p14="http://schemas.microsoft.com/office/powerpoint/2010/main" val="2204077126"/>
       </p:ext>
     </p:extLst>
   </p:cSld>
@@ -7338,7 +7328,7 @@
 </p:sld>
 </file>
 
-<file path=ppt/slides/slide6.xml><?xml version="1.0" encoding="utf-8"?>
+<file path=ppt/slides/slide5.xml><?xml version="1.0" encoding="utf-8"?>
 <p:sld xmlns:a="http://schemas.openxmlformats.org/drawingml/2006/main" xmlns:r="http://schemas.openxmlformats.org/officeDocument/2006/relationships" xmlns:p="http://schemas.openxmlformats.org/presentationml/2006/main">
   <p:cSld>
     <p:spTree>
@@ -7443,6 +7433,370 @@
           <a:p>
             <a:pPr eaLnBrk="1" hangingPunct="1"/>
             <a:r>
+              <a:rPr lang="zh-CN" altLang="en-US" sz="1400" dirty="0">
+                <a:solidFill>
+                  <a:schemeClr val="bg1"/>
+                </a:solidFill>
+              </a:rPr>
+              <a:t>已有方案</a:t>
+            </a:r>
+          </a:p>
+        </p:txBody>
+      </p:sp>
+      <p:sp>
+        <p:nvSpPr>
+          <p:cNvPr id="4100" name="Rectangle 3">
+            <a:extLst>
+              <a:ext uri="{FF2B5EF4-FFF2-40B4-BE49-F238E27FC236}">
+                <a16:creationId xmlns:a16="http://schemas.microsoft.com/office/drawing/2014/main" id="{9AEE5139-4BE4-47A7-A331-28AB93E31820}"/>
+              </a:ext>
+            </a:extLst>
+          </p:cNvPr>
+          <p:cNvSpPr>
+            <a:spLocks noGrp="1" noChangeArrowheads="1"/>
+          </p:cNvSpPr>
+          <p:nvPr>
+            <p:ph type="body" idx="1"/>
+          </p:nvPr>
+        </p:nvSpPr>
+        <p:spPr>
+          <a:xfrm>
+            <a:off x="5258566" y="1571049"/>
+            <a:ext cx="2885493" cy="4525963"/>
+          </a:xfrm>
+        </p:spPr>
+        <p:txBody>
+          <a:bodyPr/>
+          <a:lstStyle/>
+          <a:p>
+            <a:pPr marL="914400" lvl="1" indent="-457200" eaLnBrk="1" hangingPunct="1">
+              <a:lnSpc>
+                <a:spcPct val="200000"/>
+              </a:lnSpc>
+              <a:buClr>
+                <a:srgbClr val="0070C0"/>
+              </a:buClr>
+              <a:buFont typeface="+mj-lt"/>
+              <a:buAutoNum type="arabicPeriod"/>
+            </a:pPr>
+            <a:r>
+              <a:rPr lang="zh-CN" altLang="en-US" sz="2000" dirty="0">
+                <a:latin typeface="黑体" panose="02010609060101010101" pitchFamily="49" charset="-122"/>
+                <a:ea typeface="黑体" panose="02010609060101010101" pitchFamily="49" charset="-122"/>
+              </a:rPr>
+              <a:t>数据预处理</a:t>
+            </a:r>
+            <a:endParaRPr lang="en-US" altLang="zh-CN" sz="2000" dirty="0">
+              <a:latin typeface="黑体" panose="02010609060101010101" pitchFamily="49" charset="-122"/>
+              <a:ea typeface="黑体" panose="02010609060101010101" pitchFamily="49" charset="-122"/>
+            </a:endParaRPr>
+          </a:p>
+          <a:p>
+            <a:pPr marL="914400" lvl="1" indent="-457200" eaLnBrk="1" hangingPunct="1">
+              <a:lnSpc>
+                <a:spcPct val="200000"/>
+              </a:lnSpc>
+              <a:buClr>
+                <a:srgbClr val="0070C0"/>
+              </a:buClr>
+              <a:buFont typeface="+mj-lt"/>
+              <a:buAutoNum type="arabicPeriod"/>
+            </a:pPr>
+            <a:r>
+              <a:rPr lang="zh-CN" altLang="en-US" sz="2000" dirty="0">
+                <a:latin typeface="黑体" panose="02010609060101010101" pitchFamily="49" charset="-122"/>
+                <a:ea typeface="黑体" panose="02010609060101010101" pitchFamily="49" charset="-122"/>
+              </a:rPr>
+              <a:t>命令向量化</a:t>
+            </a:r>
+            <a:endParaRPr lang="en-US" altLang="zh-CN" sz="2000" dirty="0">
+              <a:latin typeface="黑体" panose="02010609060101010101" pitchFamily="49" charset="-122"/>
+              <a:ea typeface="黑体" panose="02010609060101010101" pitchFamily="49" charset="-122"/>
+            </a:endParaRPr>
+          </a:p>
+          <a:p>
+            <a:pPr marL="914400" lvl="1" indent="-457200" eaLnBrk="1" hangingPunct="1">
+              <a:lnSpc>
+                <a:spcPct val="200000"/>
+              </a:lnSpc>
+              <a:buClr>
+                <a:srgbClr val="0070C0"/>
+              </a:buClr>
+              <a:buFont typeface="+mj-lt"/>
+              <a:buAutoNum type="arabicPeriod"/>
+            </a:pPr>
+            <a:r>
+              <a:rPr lang="zh-CN" altLang="en-US" sz="2000" dirty="0">
+                <a:latin typeface="黑体" panose="02010609060101010101" pitchFamily="49" charset="-122"/>
+                <a:ea typeface="黑体" panose="02010609060101010101" pitchFamily="49" charset="-122"/>
+              </a:rPr>
+              <a:t>有监督分类</a:t>
+            </a:r>
+            <a:endParaRPr lang="en-US" altLang="zh-CN" sz="2000" dirty="0">
+              <a:latin typeface="黑体" panose="02010609060101010101" pitchFamily="49" charset="-122"/>
+              <a:ea typeface="黑体" panose="02010609060101010101" pitchFamily="49" charset="-122"/>
+            </a:endParaRPr>
+          </a:p>
+          <a:p>
+            <a:pPr marL="914400" lvl="1" indent="-457200" eaLnBrk="1" hangingPunct="1">
+              <a:lnSpc>
+                <a:spcPct val="200000"/>
+              </a:lnSpc>
+              <a:buClr>
+                <a:srgbClr val="0070C0"/>
+              </a:buClr>
+              <a:buFont typeface="+mj-lt"/>
+              <a:buAutoNum type="arabicPeriod"/>
+            </a:pPr>
+            <a:r>
+              <a:rPr lang="zh-CN" altLang="en-US" sz="2000" dirty="0">
+                <a:latin typeface="黑体" panose="02010609060101010101" pitchFamily="49" charset="-122"/>
+                <a:ea typeface="黑体" panose="02010609060101010101" pitchFamily="49" charset="-122"/>
+              </a:rPr>
+              <a:t>模型预测</a:t>
+            </a:r>
+            <a:endParaRPr lang="en-US" altLang="zh-CN" sz="2000" dirty="0">
+              <a:latin typeface="黑体" panose="02010609060101010101" pitchFamily="49" charset="-122"/>
+              <a:ea typeface="黑体" panose="02010609060101010101" pitchFamily="49" charset="-122"/>
+            </a:endParaRPr>
+          </a:p>
+          <a:p>
+            <a:pPr marL="457200" lvl="1" indent="0" eaLnBrk="1" hangingPunct="1">
+              <a:lnSpc>
+                <a:spcPct val="200000"/>
+              </a:lnSpc>
+              <a:buClr>
+                <a:srgbClr val="0070C0"/>
+              </a:buClr>
+              <a:buNone/>
+            </a:pPr>
+            <a:endParaRPr lang="en-US" altLang="zh-CN" sz="2000" dirty="0">
+              <a:latin typeface="黑体" panose="02010609060101010101" pitchFamily="49" charset="-122"/>
+              <a:ea typeface="黑体" panose="02010609060101010101" pitchFamily="49" charset="-122"/>
+            </a:endParaRPr>
+          </a:p>
+        </p:txBody>
+      </p:sp>
+      <p:pic>
+        <p:nvPicPr>
+          <p:cNvPr id="3" name="图片 2">
+            <a:extLst>
+              <a:ext uri="{FF2B5EF4-FFF2-40B4-BE49-F238E27FC236}">
+                <a16:creationId xmlns:a16="http://schemas.microsoft.com/office/drawing/2014/main" id="{0C903F46-5F91-497D-B60D-3F1CBC2072AF}"/>
+              </a:ext>
+            </a:extLst>
+          </p:cNvPr>
+          <p:cNvPicPr>
+            <a:picLocks noChangeAspect="1"/>
+          </p:cNvPicPr>
+          <p:nvPr/>
+        </p:nvPicPr>
+        <p:blipFill>
+          <a:blip r:embed="rId3">
+            <a:extLst>
+              <a:ext uri="{28A0092B-C50C-407E-A947-70E740481C1C}">
+                <a14:useLocalDpi xmlns:a14="http://schemas.microsoft.com/office/drawing/2010/main" val="0"/>
+              </a:ext>
+            </a:extLst>
+          </a:blip>
+          <a:stretch>
+            <a:fillRect/>
+          </a:stretch>
+        </p:blipFill>
+        <p:spPr>
+          <a:xfrm>
+            <a:off x="251520" y="1268760"/>
+            <a:ext cx="4464495" cy="4065020"/>
+          </a:xfrm>
+          <a:prstGeom prst="rect">
+            <a:avLst/>
+          </a:prstGeom>
+        </p:spPr>
+      </p:pic>
+      <p:sp>
+        <p:nvSpPr>
+          <p:cNvPr id="4" name="文本框 3">
+            <a:extLst>
+              <a:ext uri="{FF2B5EF4-FFF2-40B4-BE49-F238E27FC236}">
+                <a16:creationId xmlns:a16="http://schemas.microsoft.com/office/drawing/2014/main" id="{A43C4C0B-61C7-44CA-9A95-242646BD6534}"/>
+              </a:ext>
+            </a:extLst>
+          </p:cNvPr>
+          <p:cNvSpPr txBox="1"/>
+          <p:nvPr/>
+        </p:nvSpPr>
+        <p:spPr>
+          <a:xfrm>
+            <a:off x="539552" y="5726558"/>
+            <a:ext cx="6532558" cy="369332"/>
+          </a:xfrm>
+          <a:prstGeom prst="rect">
+            <a:avLst/>
+          </a:prstGeom>
+          <a:noFill/>
+        </p:spPr>
+        <p:txBody>
+          <a:bodyPr wrap="none" rtlCol="0">
+            <a:spAutoFit/>
+          </a:bodyPr>
+          <a:lstStyle/>
+          <a:p>
+            <a:r>
+              <a:rPr lang="zh-CN" altLang="en-US" dirty="0"/>
+              <a:t>恶意数据来源：菜鸟教程与</a:t>
+            </a:r>
+            <a:r>
+              <a:rPr lang="en-US" altLang="zh-CN" dirty="0" err="1"/>
+              <a:t>linuxdc</a:t>
+            </a:r>
+            <a:r>
+              <a:rPr lang="zh-CN" altLang="en-US" dirty="0"/>
+              <a:t>站点</a:t>
+            </a:r>
+            <a:r>
+              <a:rPr lang="en-US" altLang="zh-CN" dirty="0" err="1"/>
+              <a:t>linux</a:t>
+            </a:r>
+            <a:r>
+              <a:rPr lang="zh-CN" altLang="en-US" dirty="0"/>
+              <a:t>教程里的</a:t>
+            </a:r>
+            <a:r>
+              <a:rPr lang="en-US" altLang="zh-CN" dirty="0" err="1"/>
+              <a:t>linux</a:t>
+            </a:r>
+            <a:r>
+              <a:rPr lang="en-US" altLang="zh-CN" dirty="0"/>
+              <a:t> </a:t>
+            </a:r>
+            <a:r>
+              <a:rPr lang="zh-CN" altLang="en-US" dirty="0"/>
+              <a:t>指令</a:t>
+            </a:r>
+          </a:p>
+        </p:txBody>
+      </p:sp>
+    </p:spTree>
+    <p:extLst>
+      <p:ext uri="{BB962C8B-B14F-4D97-AF65-F5344CB8AC3E}">
+        <p14:creationId xmlns:p14="http://schemas.microsoft.com/office/powerpoint/2010/main" val="795667826"/>
+      </p:ext>
+    </p:extLst>
+  </p:cSld>
+  <p:clrMapOvr>
+    <a:masterClrMapping/>
+  </p:clrMapOvr>
+  <p:transition spd="slow">
+    <p:push dir="u"/>
+  </p:transition>
+</p:sld>
+</file>
+
+<file path=ppt/slides/slide6.xml><?xml version="1.0" encoding="utf-8"?>
+<p:sld xmlns:a="http://schemas.openxmlformats.org/drawingml/2006/main" xmlns:r="http://schemas.openxmlformats.org/officeDocument/2006/relationships" xmlns:p="http://schemas.openxmlformats.org/presentationml/2006/main">
+  <p:cSld>
+    <p:spTree>
+      <p:nvGrpSpPr>
+        <p:cNvPr id="1" name=""/>
+        <p:cNvGrpSpPr/>
+        <p:nvPr/>
+      </p:nvGrpSpPr>
+      <p:grpSpPr>
+        <a:xfrm>
+          <a:off x="0" y="0"/>
+          <a:ext cx="0" cy="0"/>
+          <a:chOff x="0" y="0"/>
+          <a:chExt cx="0" cy="0"/>
+        </a:xfrm>
+      </p:grpSpPr>
+      <p:pic>
+        <p:nvPicPr>
+          <p:cNvPr id="4098" name="Picture 5" descr="a4">
+            <a:extLst>
+              <a:ext uri="{FF2B5EF4-FFF2-40B4-BE49-F238E27FC236}">
+                <a16:creationId xmlns:a16="http://schemas.microsoft.com/office/drawing/2014/main" id="{C6132668-97CD-40FF-AA09-71A5C2157000}"/>
+              </a:ext>
+            </a:extLst>
+          </p:cNvPr>
+          <p:cNvPicPr>
+            <a:picLocks noChangeAspect="1" noChangeArrowheads="1"/>
+          </p:cNvPicPr>
+          <p:nvPr/>
+        </p:nvPicPr>
+        <p:blipFill>
+          <a:blip r:embed="rId2">
+            <a:extLst>
+              <a:ext uri="{28A0092B-C50C-407E-A947-70E740481C1C}">
+                <a14:useLocalDpi xmlns:a14="http://schemas.microsoft.com/office/drawing/2010/main" val="0"/>
+              </a:ext>
+            </a:extLst>
+          </a:blip>
+          <a:srcRect/>
+          <a:stretch>
+            <a:fillRect/>
+          </a:stretch>
+        </p:blipFill>
+        <p:spPr bwMode="auto">
+          <a:xfrm>
+            <a:off x="0" y="0"/>
+            <a:ext cx="9144000" cy="6858000"/>
+          </a:xfrm>
+          <a:prstGeom prst="rect">
+            <a:avLst/>
+          </a:prstGeom>
+          <a:noFill/>
+          <a:ln>
+            <a:noFill/>
+          </a:ln>
+          <a:extLst>
+            <a:ext uri="{909E8E84-426E-40DD-AFC4-6F175D3DCCD1}">
+              <a14:hiddenFill xmlns:a14="http://schemas.microsoft.com/office/drawing/2010/main">
+                <a:solidFill>
+                  <a:srgbClr val="FFFFFF"/>
+                </a:solidFill>
+              </a14:hiddenFill>
+            </a:ext>
+            <a:ext uri="{91240B29-F687-4F45-9708-019B960494DF}">
+              <a14:hiddenLine xmlns:a14="http://schemas.microsoft.com/office/drawing/2010/main" w="9525">
+                <a:solidFill>
+                  <a:srgbClr val="000000"/>
+                </a:solidFill>
+                <a:miter lim="800000"/>
+                <a:headEnd/>
+                <a:tailEnd/>
+              </a14:hiddenLine>
+            </a:ext>
+          </a:extLst>
+        </p:spPr>
+      </p:pic>
+      <p:sp>
+        <p:nvSpPr>
+          <p:cNvPr id="4099" name="Rectangle 2">
+            <a:extLst>
+              <a:ext uri="{FF2B5EF4-FFF2-40B4-BE49-F238E27FC236}">
+                <a16:creationId xmlns:a16="http://schemas.microsoft.com/office/drawing/2014/main" id="{109B7700-A2DA-4CDA-9F1B-7294D1879025}"/>
+              </a:ext>
+            </a:extLst>
+          </p:cNvPr>
+          <p:cNvSpPr>
+            <a:spLocks noGrp="1" noChangeArrowheads="1"/>
+          </p:cNvSpPr>
+          <p:nvPr>
+            <p:ph type="title"/>
+          </p:nvPr>
+        </p:nvSpPr>
+        <p:spPr>
+          <a:xfrm>
+            <a:off x="7596188" y="260350"/>
+            <a:ext cx="1090612" cy="287338"/>
+          </a:xfrm>
+        </p:spPr>
+        <p:txBody>
+          <a:bodyPr/>
+          <a:lstStyle/>
+          <a:p>
+            <a:pPr eaLnBrk="1" hangingPunct="1"/>
+            <a:r>
               <a:rPr lang="zh-CN" altLang="en-US" sz="1400">
                 <a:solidFill>
                   <a:schemeClr val="bg1"/>
@@ -7469,14 +7823,14 @@
             <p:ph idx="1"/>
             <p:extLst>
               <p:ext uri="{D42A27DB-BD31-4B8C-83A1-F6EECF244321}">
-                <p14:modId xmlns:p14="http://schemas.microsoft.com/office/powerpoint/2010/main" val="2269815356"/>
+                <p14:modId xmlns:p14="http://schemas.microsoft.com/office/powerpoint/2010/main" val="3908066126"/>
               </p:ext>
             </p:extLst>
           </p:nvPr>
         </p:nvGraphicFramePr>
         <p:xfrm>
-          <a:off x="457200" y="1600200"/>
-          <a:ext cx="8229600" cy="3708400"/>
+          <a:off x="457200" y="1340768"/>
+          <a:ext cx="8229600" cy="4079240"/>
         </p:xfrm>
         <a:graphic>
           <a:graphicData uri="http://schemas.openxmlformats.org/drawingml/2006/table">
@@ -8137,6 +8491,73 @@
                 <a:extLst>
                   <a:ext uri="{0D108BD9-81ED-4DB2-BD59-A6C34878D82A}">
                     <a16:rowId xmlns:a16="http://schemas.microsoft.com/office/drawing/2014/main" val="3679123103"/>
+                  </a:ext>
+                </a:extLst>
+              </a:tr>
+              <a:tr h="370840">
+                <a:tc>
+                  <a:txBody>
+                    <a:bodyPr/>
+                    <a:lstStyle/>
+                    <a:p>
+                      <a:r>
+                        <a:rPr lang="en-US" altLang="zh-CN" dirty="0"/>
+                        <a:t>N-gram </a:t>
+                      </a:r>
+                      <a:r>
+                        <a:rPr lang="en-US" altLang="zh-CN" dirty="0" err="1"/>
+                        <a:t>knn</a:t>
+                      </a:r>
+                      <a:endParaRPr lang="zh-CN" altLang="en-US" dirty="0"/>
+                    </a:p>
+                  </a:txBody>
+                  <a:tcPr/>
+                </a:tc>
+                <a:tc>
+                  <a:txBody>
+                    <a:bodyPr/>
+                    <a:lstStyle/>
+                    <a:p>
+                      <a:r>
+                        <a:rPr lang="en-US" altLang="zh-CN" dirty="0"/>
+                        <a:t>95%</a:t>
+                      </a:r>
+                      <a:endParaRPr lang="zh-CN" altLang="en-US" dirty="0"/>
+                    </a:p>
+                  </a:txBody>
+                  <a:tcPr/>
+                </a:tc>
+                <a:tc>
+                  <a:txBody>
+                    <a:bodyPr/>
+                    <a:lstStyle/>
+                    <a:p>
+                      <a:r>
+                        <a:rPr lang="en-US" altLang="zh-CN" dirty="0"/>
+                        <a:t>95%</a:t>
+                      </a:r>
+                      <a:endParaRPr lang="zh-CN" altLang="en-US" dirty="0"/>
+                    </a:p>
+                  </a:txBody>
+                  <a:tcPr/>
+                </a:tc>
+                <a:tc>
+                  <a:txBody>
+                    <a:bodyPr/>
+                    <a:lstStyle/>
+                    <a:p>
+                      <a:r>
+                        <a:rPr lang="en-US" altLang="zh-CN" dirty="0"/>
+                        <a:t>95%</a:t>
+                      </a:r>
+                      <a:endParaRPr lang="zh-CN" altLang="en-US" dirty="0"/>
+                    </a:p>
+                  </a:txBody>
+                  <a:tcPr/>
+                </a:tc>
+                <a:extLst>
+                  <a:ext uri="{0D108BD9-81ED-4DB2-BD59-A6C34878D82A}">
+                    <a16:rowId xmlns:a16="http://schemas.microsoft.com/office/drawing/2014/main" val="1366539876"/>
                   </a:ext>
                 </a:extLst>
               </a:tr>
